--- a/Lectures/lec7-query-optimization.pptx
+++ b/Lectures/lec7-query-optimization.pptx
@@ -23438,7 +23438,12 @@
             <p:ph type="title"/>
           </p:nvPr>
         </p:nvSpPr>
-        <p:spPr/>
+        <p:spPr>
+          <a:xfrm>
+            <a:off x="628650" y="56298"/>
+            <a:ext cx="7886700" cy="1325563"/>
+          </a:xfrm>
+        </p:spPr>
         <p:txBody>
           <a:bodyPr/>
           <a:lstStyle/>
@@ -23461,14 +23466,135 @@
             <p:ph idx="1"/>
           </p:nvPr>
         </p:nvSpPr>
-        <p:spPr/>
+        <p:spPr>
+          <a:xfrm>
+            <a:off x="628650" y="1392829"/>
+            <a:ext cx="7886700" cy="4351338"/>
+          </a:xfrm>
+        </p:spPr>
         <p:txBody>
           <a:bodyPr/>
           <a:lstStyle/>
           <a:p>
             <a:r>
+              <a:rPr lang="en-US" altLang="zh-CN" dirty="0" smtClean="0"/>
+              <a:t>Imagine</a:t>
+            </a:r>
+            <a:r>
+              <a:rPr lang="zh-CN" altLang="en-US" dirty="0" smtClean="0"/>
+              <a:t> </a:t>
+            </a:r>
+            <a:r>
+              <a:rPr lang="en-US" altLang="zh-CN" dirty="0" smtClean="0"/>
+              <a:t>you</a:t>
+            </a:r>
+            <a:r>
+              <a:rPr lang="zh-CN" altLang="en-US" dirty="0" smtClean="0"/>
+              <a:t> </a:t>
+            </a:r>
+            <a:r>
+              <a:rPr lang="en-US" altLang="zh-CN" dirty="0" smtClean="0"/>
+              <a:t>build</a:t>
+            </a:r>
+            <a:r>
+              <a:rPr lang="zh-CN" altLang="en-US" dirty="0" smtClean="0"/>
+              <a:t> </a:t>
+            </a:r>
+            <a:r>
+              <a:rPr lang="en-US" altLang="zh-CN" dirty="0" smtClean="0"/>
+              <a:t>an</a:t>
+            </a:r>
+            <a:r>
+              <a:rPr lang="zh-CN" altLang="en-US" dirty="0" smtClean="0"/>
+              <a:t> </a:t>
+            </a:r>
+            <a:r>
+              <a:rPr lang="en-US" altLang="zh-CN" dirty="0" smtClean="0"/>
+              <a:t>index</a:t>
+            </a:r>
+            <a:r>
+              <a:rPr lang="zh-CN" altLang="en-US" dirty="0" smtClean="0"/>
+              <a:t> </a:t>
+            </a:r>
+            <a:r>
+              <a:rPr lang="en-US" altLang="zh-CN" dirty="0" smtClean="0"/>
+              <a:t>on</a:t>
+            </a:r>
+            <a:r>
+              <a:rPr lang="zh-CN" altLang="en-US" dirty="0" smtClean="0"/>
+              <a:t> </a:t>
+            </a:r>
+            <a:r>
+              <a:rPr lang="en-US" altLang="zh-CN" dirty="0" smtClean="0"/>
+              <a:t>name,</a:t>
+            </a:r>
+            <a:r>
+              <a:rPr lang="zh-CN" altLang="en-US" dirty="0" smtClean="0"/>
+              <a:t> </a:t>
+            </a:r>
+            <a:r>
+              <a:rPr lang="en-US" altLang="zh-CN" dirty="0" smtClean="0"/>
+              <a:t>and</a:t>
+            </a:r>
+            <a:r>
+              <a:rPr lang="zh-CN" altLang="en-US" dirty="0" smtClean="0"/>
+              <a:t> </a:t>
+            </a:r>
+            <a:r>
+              <a:rPr lang="en-US" altLang="zh-CN" dirty="0" smtClean="0"/>
+              <a:t>then</a:t>
+            </a:r>
+            <a:r>
+              <a:rPr lang="zh-CN" altLang="en-US" dirty="0" smtClean="0"/>
+              <a:t> </a:t>
+            </a:r>
+            <a:r>
+              <a:rPr lang="en-US" altLang="zh-CN" dirty="0" smtClean="0"/>
+              <a:t>run</a:t>
+            </a:r>
+            <a:r>
+              <a:rPr lang="zh-CN" altLang="en-US" dirty="0" smtClean="0"/>
+              <a:t> </a:t>
+            </a:r>
+            <a:r>
+              <a:rPr lang="en-US" altLang="zh-CN" dirty="0" smtClean="0"/>
+              <a:t>the</a:t>
+            </a:r>
+            <a:r>
+              <a:rPr lang="zh-CN" altLang="en-US" dirty="0" smtClean="0"/>
+              <a:t> </a:t>
+            </a:r>
+            <a:r>
+              <a:rPr lang="en-US" altLang="zh-CN" dirty="0" smtClean="0"/>
+              <a:t>following</a:t>
+            </a:r>
+            <a:r>
+              <a:rPr lang="zh-CN" altLang="en-US" dirty="0" smtClean="0"/>
+              <a:t> </a:t>
+            </a:r>
+            <a:r>
+              <a:rPr lang="en-US" altLang="zh-CN" dirty="0" smtClean="0"/>
+              <a:t>queries</a:t>
+            </a:r>
+            <a:r>
+              <a:rPr lang="zh-CN" altLang="en-US" dirty="0" smtClean="0"/>
+              <a:t>  </a:t>
+            </a:r>
+            <a:endParaRPr lang="en-US" altLang="zh-CN" dirty="0" smtClean="0"/>
+          </a:p>
+          <a:p>
+            <a:endParaRPr lang="en-US" dirty="0"/>
+          </a:p>
+          <a:p>
+            <a:endParaRPr lang="en-US" dirty="0" smtClean="0"/>
+          </a:p>
+          <a:p>
+            <a:endParaRPr lang="en-US" dirty="0"/>
+          </a:p>
+          <a:p>
+            <a:r>
               <a:rPr lang="en-US" altLang="zh-CN" dirty="0"/>
-              <a:t>Your</a:t>
+              <a:t>Imagine</a:t>
             </a:r>
             <a:r>
               <a:rPr lang="zh-CN" altLang="en-US" dirty="0"/>
@@ -23476,7 +23602,7 @@
             </a:r>
             <a:r>
               <a:rPr lang="en-US" altLang="zh-CN" dirty="0"/>
-              <a:t>workload</a:t>
+              <a:t>you</a:t>
             </a:r>
             <a:r>
               <a:rPr lang="zh-CN" altLang="en-US" dirty="0"/>
@@ -23484,13 +23610,89 @@
             </a:r>
             <a:r>
               <a:rPr lang="en-US" altLang="zh-CN" dirty="0"/>
-              <a:t>is</a:t>
+              <a:t>build</a:t>
             </a:r>
             <a:r>
               <a:rPr lang="zh-CN" altLang="en-US" dirty="0"/>
               <a:t> </a:t>
             </a:r>
-            <a:endParaRPr lang="en-US" dirty="0"/>
+            <a:r>
+              <a:rPr lang="en-US" altLang="zh-CN" dirty="0"/>
+              <a:t>an</a:t>
+            </a:r>
+            <a:r>
+              <a:rPr lang="zh-CN" altLang="en-US" dirty="0"/>
+              <a:t> </a:t>
+            </a:r>
+            <a:r>
+              <a:rPr lang="en-US" altLang="zh-CN" dirty="0"/>
+              <a:t>index</a:t>
+            </a:r>
+            <a:r>
+              <a:rPr lang="zh-CN" altLang="en-US" dirty="0"/>
+              <a:t> </a:t>
+            </a:r>
+            <a:r>
+              <a:rPr lang="en-US" altLang="zh-CN" dirty="0"/>
+              <a:t>on</a:t>
+            </a:r>
+            <a:r>
+              <a:rPr lang="zh-CN" altLang="en-US" dirty="0"/>
+              <a:t> </a:t>
+            </a:r>
+            <a:r>
+              <a:rPr lang="en-US" altLang="zh-CN" dirty="0" smtClean="0"/>
+              <a:t>gender,</a:t>
+            </a:r>
+            <a:r>
+              <a:rPr lang="zh-CN" altLang="en-US" dirty="0" smtClean="0"/>
+              <a:t> </a:t>
+            </a:r>
+            <a:r>
+              <a:rPr lang="en-US" altLang="zh-CN" dirty="0"/>
+              <a:t>and</a:t>
+            </a:r>
+            <a:r>
+              <a:rPr lang="zh-CN" altLang="en-US" dirty="0"/>
+              <a:t> </a:t>
+            </a:r>
+            <a:r>
+              <a:rPr lang="en-US" altLang="zh-CN" dirty="0"/>
+              <a:t>then</a:t>
+            </a:r>
+            <a:r>
+              <a:rPr lang="zh-CN" altLang="en-US" dirty="0"/>
+              <a:t> </a:t>
+            </a:r>
+            <a:r>
+              <a:rPr lang="en-US" altLang="zh-CN" dirty="0"/>
+              <a:t>run</a:t>
+            </a:r>
+            <a:r>
+              <a:rPr lang="zh-CN" altLang="en-US" dirty="0"/>
+              <a:t> </a:t>
+            </a:r>
+            <a:r>
+              <a:rPr lang="en-US" altLang="zh-CN" dirty="0"/>
+              <a:t>the</a:t>
+            </a:r>
+            <a:r>
+              <a:rPr lang="zh-CN" altLang="en-US" dirty="0"/>
+              <a:t> </a:t>
+            </a:r>
+            <a:r>
+              <a:rPr lang="en-US" altLang="zh-CN" dirty="0"/>
+              <a:t>following</a:t>
+            </a:r>
+            <a:r>
+              <a:rPr lang="zh-CN" altLang="en-US" dirty="0"/>
+              <a:t> </a:t>
+            </a:r>
+            <a:r>
+              <a:rPr lang="en-US" altLang="zh-CN" dirty="0"/>
+              <a:t>queries</a:t>
+            </a:r>
+            <a:endParaRPr lang="en-US" dirty="0" smtClean="0"/>
           </a:p>
         </p:txBody>
       </p:sp>
@@ -23527,7 +23729,7 @@
         </p:nvSpPr>
         <p:spPr bwMode="auto">
           <a:xfrm>
-            <a:off x="932731" y="3245569"/>
+            <a:off x="1040334" y="2452280"/>
             <a:ext cx="2683892" cy="1092607"/>
           </a:xfrm>
           <a:prstGeom prst="rect">
@@ -23724,7 +23926,7 @@
         </p:nvSpPr>
         <p:spPr bwMode="auto">
           <a:xfrm>
-            <a:off x="4986068" y="3245569"/>
+            <a:off x="1040334" y="4849832"/>
             <a:ext cx="2943764" cy="1092607"/>
           </a:xfrm>
           <a:prstGeom prst="rect">
@@ -23913,14 +24115,14 @@
       </p:sp>
       <p:sp>
         <p:nvSpPr>
-          <p:cNvPr id="7" name="TextBox 6"/>
+          <p:cNvPr id="10" name="TextBox 9"/>
           <p:cNvSpPr txBox="1"/>
           <p:nvPr/>
         </p:nvSpPr>
         <p:spPr>
           <a:xfrm>
-            <a:off x="932731" y="2696849"/>
-            <a:ext cx="2116285" cy="461665"/>
+            <a:off x="4049913" y="2583084"/>
+            <a:ext cx="4671279" cy="830997"/>
           </a:xfrm>
           <a:prstGeom prst="rect">
             <a:avLst/>
@@ -23934,16 +24136,64 @@
           <a:lstStyle/>
           <a:p>
             <a:r>
+              <a:rPr lang="en-US" altLang="zh-CN" sz="2400" dirty="0" smtClean="0"/>
+              <a:t>Will</a:t>
+            </a:r>
+            <a:r>
+              <a:rPr lang="zh-CN" altLang="en-US" sz="2400" dirty="0" smtClean="0"/>
+              <a:t> </a:t>
+            </a:r>
+            <a:r>
+              <a:rPr lang="en-US" altLang="zh-CN" sz="2400" dirty="0" smtClean="0"/>
+              <a:t>query</a:t>
+            </a:r>
+            <a:r>
+              <a:rPr lang="zh-CN" altLang="en-US" sz="2400" dirty="0" smtClean="0"/>
+              <a:t> </a:t>
+            </a:r>
+            <a:r>
+              <a:rPr lang="en-US" altLang="zh-CN" sz="2400" dirty="0" smtClean="0"/>
+              <a:t>optimizer</a:t>
+            </a:r>
+            <a:r>
+              <a:rPr lang="zh-CN" altLang="en-US" sz="2400" dirty="0" smtClean="0"/>
+              <a:t> </a:t>
+            </a:r>
+            <a:r>
+              <a:rPr lang="en-US" altLang="zh-CN" sz="2400" dirty="0" smtClean="0"/>
+              <a:t>use</a:t>
+            </a:r>
+            <a:r>
+              <a:rPr lang="zh-CN" altLang="en-US" sz="2400" dirty="0" smtClean="0"/>
+              <a:t> </a:t>
+            </a:r>
+            <a:r>
+              <a:rPr lang="en-US" altLang="zh-CN" sz="2400" dirty="0" smtClean="0"/>
+              <a:t>the</a:t>
+            </a:r>
+            <a:r>
+              <a:rPr lang="zh-CN" altLang="en-US" sz="2400" dirty="0" smtClean="0"/>
+              <a:t> </a:t>
+            </a:r>
+            <a:r>
+              <a:rPr lang="en-US" altLang="zh-CN" sz="2400" dirty="0" smtClean="0"/>
+              <a:t>index?</a:t>
+            </a:r>
+            <a:r>
+              <a:rPr lang="zh-CN" altLang="en-US" sz="2400" dirty="0" smtClean="0"/>
+              <a:t> </a:t>
+            </a:r>
+            <a:endParaRPr lang="en-US" altLang="zh-CN" sz="2400" dirty="0" smtClean="0"/>
+          </a:p>
+          <a:p>
+            <a:pPr algn="ctr"/>
+            <a:r>
+              <a:rPr lang="en-US" altLang="zh-CN" sz="2400" dirty="0" smtClean="0"/>
+              <a:t>Yes</a:t>
+            </a:r>
+            <a:r>
               <a:rPr lang="en-US" altLang="zh-CN" sz="2400" dirty="0"/>
-              <a:t>100000</a:t>
-            </a:r>
-            <a:r>
-              <a:rPr lang="zh-CN" altLang="en-US" sz="2400" dirty="0"/>
-              <a:t> </a:t>
-            </a:r>
-            <a:r>
-              <a:rPr lang="en-US" altLang="zh-CN" sz="2400" dirty="0"/>
-              <a:t>queries</a:t>
+              <a:t>!</a:t>
             </a:r>
             <a:endParaRPr lang="en-US" sz="2400" dirty="0"/>
           </a:p>
@@ -23951,14 +24201,14 @@
       </p:sp>
       <p:sp>
         <p:nvSpPr>
-          <p:cNvPr id="8" name="TextBox 7"/>
+          <p:cNvPr id="15" name="TextBox 14"/>
           <p:cNvSpPr txBox="1"/>
           <p:nvPr/>
         </p:nvSpPr>
         <p:spPr>
           <a:xfrm>
-            <a:off x="5004273" y="2693408"/>
-            <a:ext cx="2116285" cy="461665"/>
+            <a:off x="4255755" y="4913170"/>
+            <a:ext cx="4671279" cy="830997"/>
           </a:xfrm>
           <a:prstGeom prst="rect">
             <a:avLst/>
@@ -23972,16 +24222,60 @@
           <a:lstStyle/>
           <a:p>
             <a:r>
-              <a:rPr lang="en-US" altLang="zh-CN" sz="2400" dirty="0"/>
-              <a:t>100000</a:t>
-            </a:r>
-            <a:r>
-              <a:rPr lang="zh-CN" altLang="en-US" sz="2400" dirty="0"/>
+              <a:rPr lang="en-US" altLang="zh-CN" sz="2400" dirty="0" smtClean="0"/>
+              <a:t>Will</a:t>
+            </a:r>
+            <a:r>
+              <a:rPr lang="zh-CN" altLang="en-US" sz="2400" dirty="0" smtClean="0"/>
               <a:t> </a:t>
             </a:r>
             <a:r>
-              <a:rPr lang="en-US" altLang="zh-CN" sz="2400" dirty="0"/>
-              <a:t>queries</a:t>
+              <a:rPr lang="en-US" altLang="zh-CN" sz="2400" dirty="0" smtClean="0"/>
+              <a:t>query</a:t>
+            </a:r>
+            <a:r>
+              <a:rPr lang="zh-CN" altLang="en-US" sz="2400" dirty="0" smtClean="0"/>
+              <a:t> </a:t>
+            </a:r>
+            <a:r>
+              <a:rPr lang="en-US" altLang="zh-CN" sz="2400" dirty="0" smtClean="0"/>
+              <a:t>optimizer</a:t>
+            </a:r>
+            <a:r>
+              <a:rPr lang="zh-CN" altLang="en-US" sz="2400" dirty="0" smtClean="0"/>
+              <a:t> </a:t>
+            </a:r>
+            <a:r>
+              <a:rPr lang="en-US" altLang="zh-CN" sz="2400" dirty="0" smtClean="0"/>
+              <a:t>use</a:t>
+            </a:r>
+            <a:r>
+              <a:rPr lang="zh-CN" altLang="en-US" sz="2400" dirty="0" smtClean="0"/>
+              <a:t> </a:t>
+            </a:r>
+            <a:r>
+              <a:rPr lang="en-US" altLang="zh-CN" sz="2400" dirty="0" smtClean="0"/>
+              <a:t>the</a:t>
+            </a:r>
+            <a:r>
+              <a:rPr lang="zh-CN" altLang="en-US" sz="2400" dirty="0" smtClean="0"/>
+              <a:t> </a:t>
+            </a:r>
+            <a:r>
+              <a:rPr lang="en-US" altLang="zh-CN" sz="2400" dirty="0" smtClean="0"/>
+              <a:t>index?</a:t>
+            </a:r>
+            <a:r>
+              <a:rPr lang="zh-CN" altLang="en-US" sz="2400" dirty="0" smtClean="0"/>
+              <a:t> </a:t>
+            </a:r>
+            <a:endParaRPr lang="en-US" altLang="zh-CN" sz="2400" dirty="0" smtClean="0"/>
+          </a:p>
+          <a:p>
+            <a:pPr algn="ctr"/>
+            <a:r>
+              <a:rPr lang="en-US" altLang="zh-CN" sz="2400" dirty="0" smtClean="0"/>
+              <a:t>No!</a:t>
             </a:r>
             <a:endParaRPr lang="en-US" sz="2400" dirty="0"/>
           </a:p>
@@ -23989,67 +24283,14 @@
       </p:sp>
       <p:sp>
         <p:nvSpPr>
-          <p:cNvPr id="9" name="Rectangle 8"/>
-          <p:cNvSpPr/>
-          <p:nvPr/>
-        </p:nvSpPr>
-        <p:spPr>
-          <a:xfrm>
-            <a:off x="2802834" y="5021367"/>
-            <a:ext cx="2822247" cy="461665"/>
-          </a:xfrm>
-          <a:prstGeom prst="rect">
-            <a:avLst/>
-          </a:prstGeom>
-        </p:spPr>
-        <p:txBody>
-          <a:bodyPr wrap="none">
-            <a:spAutoFit/>
-          </a:bodyPr>
-          <a:lstStyle/>
-          <a:p>
-            <a:r>
-              <a:rPr lang="en-US" altLang="zh-CN" sz="2400" b="1" dirty="0"/>
-              <a:t>Which</a:t>
-            </a:r>
-            <a:r>
-              <a:rPr lang="zh-CN" altLang="en-US" sz="2400" b="1" dirty="0"/>
-              <a:t> </a:t>
-            </a:r>
-            <a:r>
-              <a:rPr lang="en-US" altLang="zh-CN" sz="2400" b="1" dirty="0"/>
-              <a:t>one</a:t>
-            </a:r>
-            <a:r>
-              <a:rPr lang="zh-CN" altLang="en-US" sz="2400" b="1" dirty="0"/>
-              <a:t> </a:t>
-            </a:r>
-            <a:r>
-              <a:rPr lang="en-US" altLang="zh-CN" sz="2400" b="1" dirty="0"/>
-              <a:t>is</a:t>
-            </a:r>
-            <a:r>
-              <a:rPr lang="zh-CN" altLang="en-US" sz="2400" b="1" dirty="0"/>
-              <a:t> </a:t>
-            </a:r>
-            <a:r>
-              <a:rPr lang="en-US" altLang="zh-CN" sz="2400" b="1" dirty="0"/>
-              <a:t>better?</a:t>
-            </a:r>
-            <a:endParaRPr lang="en-US" sz="2400" b="1" dirty="0"/>
-          </a:p>
-        </p:txBody>
-      </p:sp>
-      <p:sp>
-        <p:nvSpPr>
-          <p:cNvPr id="13" name="TextBox 12"/>
+          <p:cNvPr id="11" name="TextBox 10"/>
           <p:cNvSpPr txBox="1"/>
           <p:nvPr/>
         </p:nvSpPr>
         <p:spPr>
           <a:xfrm>
-            <a:off x="2908532" y="5530632"/>
-            <a:ext cx="2363276" cy="461665"/>
+            <a:off x="1209188" y="6198256"/>
+            <a:ext cx="6725624" cy="523220"/>
           </a:xfrm>
           <a:prstGeom prst="rect">
             <a:avLst/>
@@ -24063,88 +24304,114 @@
           <a:lstStyle/>
           <a:p>
             <a:r>
-              <a:rPr lang="en-US" altLang="zh-CN" sz="2400" dirty="0"/>
-              <a:t>A.</a:t>
-            </a:r>
-            <a:r>
-              <a:rPr lang="zh-CN" altLang="en-US" sz="2400" dirty="0"/>
+              <a:rPr lang="en-US" altLang="zh-CN" sz="2800" b="1" dirty="0" smtClean="0">
+                <a:solidFill>
+                  <a:srgbClr val="FF0000"/>
+                </a:solidFill>
+              </a:rPr>
+              <a:t>How</a:t>
+            </a:r>
+            <a:r>
+              <a:rPr lang="zh-CN" altLang="en-US" sz="2800" b="1" dirty="0" smtClean="0">
+                <a:solidFill>
+                  <a:srgbClr val="FF0000"/>
+                </a:solidFill>
+              </a:rPr>
               <a:t> </a:t>
             </a:r>
             <a:r>
-              <a:rPr lang="en-US" altLang="zh-CN" sz="2400" dirty="0"/>
-              <a:t>Index</a:t>
-            </a:r>
-            <a:r>
-              <a:rPr lang="zh-CN" altLang="en-US" sz="2400" dirty="0"/>
+              <a:rPr lang="en-US" altLang="zh-CN" sz="2800" b="1" dirty="0" smtClean="0">
+                <a:solidFill>
+                  <a:srgbClr val="FF0000"/>
+                </a:solidFill>
+              </a:rPr>
+              <a:t>does</a:t>
+            </a:r>
+            <a:r>
+              <a:rPr lang="zh-CN" altLang="en-US" sz="2800" b="1" dirty="0" smtClean="0">
+                <a:solidFill>
+                  <a:srgbClr val="FF0000"/>
+                </a:solidFill>
+              </a:rPr>
               <a:t> </a:t>
             </a:r>
             <a:r>
-              <a:rPr lang="en-US" altLang="zh-CN" sz="2400" dirty="0"/>
-              <a:t>on</a:t>
-            </a:r>
-            <a:r>
-              <a:rPr lang="zh-CN" altLang="en-US" sz="2400" dirty="0"/>
+              <a:rPr lang="en-US" altLang="zh-CN" sz="2800" b="1" dirty="0" smtClean="0">
+                <a:solidFill>
+                  <a:srgbClr val="FF0000"/>
+                </a:solidFill>
+              </a:rPr>
+              <a:t>query</a:t>
+            </a:r>
+            <a:r>
+              <a:rPr lang="zh-CN" altLang="en-US" sz="2800" b="1" dirty="0" smtClean="0">
+                <a:solidFill>
+                  <a:srgbClr val="FF0000"/>
+                </a:solidFill>
+              </a:rPr>
               <a:t> </a:t>
             </a:r>
             <a:r>
-              <a:rPr lang="en-US" altLang="zh-CN" sz="2400" dirty="0"/>
-              <a:t>name</a:t>
-            </a:r>
-            <a:endParaRPr lang="en-US" sz="2400" dirty="0"/>
-          </a:p>
-        </p:txBody>
-      </p:sp>
-      <p:sp>
-        <p:nvSpPr>
-          <p:cNvPr id="14" name="TextBox 13"/>
-          <p:cNvSpPr txBox="1"/>
-          <p:nvPr/>
-        </p:nvSpPr>
-        <p:spPr>
-          <a:xfrm>
-            <a:off x="2908532" y="6039897"/>
-            <a:ext cx="2522807" cy="461665"/>
-          </a:xfrm>
-          <a:prstGeom prst="rect">
-            <a:avLst/>
-          </a:prstGeom>
-          <a:noFill/>
-        </p:spPr>
-        <p:txBody>
-          <a:bodyPr wrap="none" rtlCol="0">
-            <a:spAutoFit/>
-          </a:bodyPr>
-          <a:lstStyle/>
-          <a:p>
-            <a:r>
-              <a:rPr lang="en-US" altLang="zh-CN" sz="2400" dirty="0"/>
-              <a:t>B.</a:t>
-            </a:r>
-            <a:r>
-              <a:rPr lang="zh-CN" altLang="en-US" sz="2400" dirty="0"/>
+              <a:rPr lang="en-US" altLang="zh-CN" sz="2800" b="1" dirty="0" smtClean="0">
+                <a:solidFill>
+                  <a:srgbClr val="FF0000"/>
+                </a:solidFill>
+              </a:rPr>
+              <a:t>optimizer</a:t>
+            </a:r>
+            <a:r>
+              <a:rPr lang="zh-CN" altLang="en-US" sz="2800" b="1" dirty="0" smtClean="0">
+                <a:solidFill>
+                  <a:srgbClr val="FF0000"/>
+                </a:solidFill>
+              </a:rPr>
               <a:t> </a:t>
             </a:r>
             <a:r>
-              <a:rPr lang="en-US" altLang="zh-CN" sz="2400" dirty="0"/>
-              <a:t>Index</a:t>
-            </a:r>
-            <a:r>
-              <a:rPr lang="zh-CN" altLang="en-US" sz="2400" dirty="0"/>
+              <a:rPr lang="en-US" altLang="zh-CN" sz="2800" b="1" dirty="0" smtClean="0">
+                <a:solidFill>
+                  <a:srgbClr val="FF0000"/>
+                </a:solidFill>
+              </a:rPr>
+              <a:t>figure</a:t>
+            </a:r>
+            <a:r>
+              <a:rPr lang="zh-CN" altLang="en-US" sz="2800" b="1" dirty="0" smtClean="0">
+                <a:solidFill>
+                  <a:srgbClr val="FF0000"/>
+                </a:solidFill>
+              </a:rPr>
               <a:t> </a:t>
             </a:r>
             <a:r>
-              <a:rPr lang="en-US" altLang="zh-CN" sz="2400" dirty="0"/>
-              <a:t>on</a:t>
-            </a:r>
-            <a:r>
-              <a:rPr lang="zh-CN" altLang="en-US" sz="2400" dirty="0"/>
+              <a:rPr lang="en-US" altLang="zh-CN" sz="2800" b="1" dirty="0" smtClean="0">
+                <a:solidFill>
+                  <a:srgbClr val="FF0000"/>
+                </a:solidFill>
+              </a:rPr>
+              <a:t>these</a:t>
+            </a:r>
+            <a:r>
+              <a:rPr lang="zh-CN" altLang="en-US" sz="2800" b="1" dirty="0" smtClean="0">
+                <a:solidFill>
+                  <a:srgbClr val="FF0000"/>
+                </a:solidFill>
+              </a:rPr>
               <a:t> </a:t>
             </a:r>
             <a:r>
-              <a:rPr lang="en-US" altLang="zh-CN" sz="2400" dirty="0"/>
-              <a:t>gender</a:t>
-            </a:r>
-            <a:endParaRPr lang="en-US" sz="2400" dirty="0"/>
+              <a:rPr lang="en-US" altLang="zh-CN" sz="2800" b="1" dirty="0" smtClean="0">
+                <a:solidFill>
+                  <a:srgbClr val="FF0000"/>
+                </a:solidFill>
+              </a:rPr>
+              <a:t>out?</a:t>
+            </a:r>
+            <a:endParaRPr lang="en-US" sz="2800" b="1" dirty="0">
+              <a:solidFill>
+                <a:srgbClr val="FF0000"/>
+              </a:solidFill>
+            </a:endParaRPr>
           </a:p>
         </p:txBody>
       </p:sp>
@@ -24161,136 +24428,9 @@
   <p:timing>
     <p:tnLst>
       <p:par>
-        <p:cTn id="1" dur="indefinite" restart="never" nodeType="tmRoot">
-          <p:childTnLst>
-            <p:seq concurrent="1" nextAc="seek">
-              <p:cTn id="2" dur="indefinite" nodeType="mainSeq">
-                <p:childTnLst>
-                  <p:par>
-                    <p:cTn id="3" fill="hold">
-                      <p:stCondLst>
-                        <p:cond delay="indefinite"/>
-                      </p:stCondLst>
-                      <p:childTnLst>
-                        <p:par>
-                          <p:cTn id="4" fill="hold">
-                            <p:stCondLst>
-                              <p:cond delay="0"/>
-                            </p:stCondLst>
-                            <p:childTnLst>
-                              <p:par>
-                                <p:cTn id="5" presetID="1" presetClass="entr" presetSubtype="0" fill="hold" grpId="0" nodeType="clickEffect">
-                                  <p:stCondLst>
-                                    <p:cond delay="0"/>
-                                  </p:stCondLst>
-                                  <p:childTnLst>
-                                    <p:set>
-                                      <p:cBhvr>
-                                        <p:cTn id="6" dur="1" fill="hold">
-                                          <p:stCondLst>
-                                            <p:cond delay="0"/>
-                                          </p:stCondLst>
-                                        </p:cTn>
-                                        <p:tgtEl>
-                                          <p:spTgt spid="9"/>
-                                        </p:tgtEl>
-                                        <p:attrNameLst>
-                                          <p:attrName>style.visibility</p:attrName>
-                                        </p:attrNameLst>
-                                      </p:cBhvr>
-                                      <p:to>
-                                        <p:strVal val="visible"/>
-                                      </p:to>
-                                    </p:set>
-                                  </p:childTnLst>
-                                </p:cTn>
-                              </p:par>
-                              <p:par>
-                                <p:cTn id="7" presetID="1" presetClass="entr" presetSubtype="0" fill="hold" grpId="0" nodeType="withEffect">
-                                  <p:stCondLst>
-                                    <p:cond delay="0"/>
-                                  </p:stCondLst>
-                                  <p:childTnLst>
-                                    <p:set>
-                                      <p:cBhvr>
-                                        <p:cTn id="8" dur="1" fill="hold">
-                                          <p:stCondLst>
-                                            <p:cond delay="0"/>
-                                          </p:stCondLst>
-                                        </p:cTn>
-                                        <p:tgtEl>
-                                          <p:spTgt spid="13"/>
-                                        </p:tgtEl>
-                                        <p:attrNameLst>
-                                          <p:attrName>style.visibility</p:attrName>
-                                        </p:attrNameLst>
-                                      </p:cBhvr>
-                                      <p:to>
-                                        <p:strVal val="visible"/>
-                                      </p:to>
-                                    </p:set>
-                                  </p:childTnLst>
-                                </p:cTn>
-                              </p:par>
-                              <p:par>
-                                <p:cTn id="9" presetID="1" presetClass="entr" presetSubtype="0" fill="hold" grpId="0" nodeType="withEffect">
-                                  <p:stCondLst>
-                                    <p:cond delay="0"/>
-                                  </p:stCondLst>
-                                  <p:childTnLst>
-                                    <p:set>
-                                      <p:cBhvr>
-                                        <p:cTn id="10" dur="1" fill="hold">
-                                          <p:stCondLst>
-                                            <p:cond delay="0"/>
-                                          </p:stCondLst>
-                                        </p:cTn>
-                                        <p:tgtEl>
-                                          <p:spTgt spid="14"/>
-                                        </p:tgtEl>
-                                        <p:attrNameLst>
-                                          <p:attrName>style.visibility</p:attrName>
-                                        </p:attrNameLst>
-                                      </p:cBhvr>
-                                      <p:to>
-                                        <p:strVal val="visible"/>
-                                      </p:to>
-                                    </p:set>
-                                  </p:childTnLst>
-                                </p:cTn>
-                              </p:par>
-                            </p:childTnLst>
-                          </p:cTn>
-                        </p:par>
-                      </p:childTnLst>
-                    </p:cTn>
-                  </p:par>
-                </p:childTnLst>
-              </p:cTn>
-              <p:prevCondLst>
-                <p:cond evt="onPrev" delay="0">
-                  <p:tgtEl>
-                    <p:sldTgt/>
-                  </p:tgtEl>
-                </p:cond>
-              </p:prevCondLst>
-              <p:nextCondLst>
-                <p:cond evt="onNext" delay="0">
-                  <p:tgtEl>
-                    <p:sldTgt/>
-                  </p:tgtEl>
-                </p:cond>
-              </p:nextCondLst>
-            </p:seq>
-          </p:childTnLst>
-        </p:cTn>
+        <p:cTn id="1" dur="indefinite" restart="never" nodeType="tmRoot"/>
       </p:par>
     </p:tnLst>
-    <p:bldLst>
-      <p:bldP spid="9" grpId="0"/>
-      <p:bldP spid="13" grpId="0"/>
-      <p:bldP spid="14" grpId="0"/>
-    </p:bldLst>
   </p:timing>
 </p:sld>
 </file>
@@ -27152,9 +27292,9 @@
           <p:nvPr/>
         </p:nvCxnSpPr>
         <p:spPr>
-          <a:xfrm rot="5400000" flipH="1" flipV="1">
-            <a:off x="4392895" y="3962471"/>
-            <a:ext cx="1898678" cy="1191"/>
+          <a:xfrm flipV="1">
+            <a:off x="4973053" y="3046937"/>
+            <a:ext cx="0" cy="1892302"/>
           </a:xfrm>
           <a:prstGeom prst="line">
             <a:avLst/>
@@ -27188,8 +27328,8 @@
         </p:nvSpPr>
         <p:spPr>
           <a:xfrm>
-            <a:off x="4511905" y="4643486"/>
-            <a:ext cx="829735" cy="268921"/>
+            <a:off x="4511906" y="4643486"/>
+            <a:ext cx="461148" cy="268921"/>
           </a:xfrm>
           <a:prstGeom prst="rect">
             <a:avLst/>
